--- a/FOAI-Project-PPT.pptx
+++ b/FOAI-Project-PPT.pptx
@@ -9119,7 +9119,7 @@
               <a:buNone/>
             </a:pPr>
             <a:r>
-              <a:rPr lang="en" sz="1900">
+              <a:rPr lang="en" sz="1900" dirty="0">
                 <a:latin typeface="Lexend"/>
                 <a:ea typeface="Lexend"/>
                 <a:cs typeface="Lexend"/>
@@ -9127,7 +9127,7 @@
               </a:rPr>
               <a:t>We are now open to questions!</a:t>
             </a:r>
-            <a:endParaRPr sz="1900">
+            <a:endParaRPr sz="1900" dirty="0">
               <a:latin typeface="Lexend"/>
               <a:ea typeface="Lexend"/>
               <a:cs typeface="Lexend"/>
@@ -9144,7 +9144,7 @@
               </a:spcAft>
               <a:buNone/>
             </a:pPr>
-            <a:endParaRPr sz="1000">
+            <a:endParaRPr sz="1000" dirty="0">
               <a:solidFill>
                 <a:srgbClr val="666666"/>
               </a:solidFill>
@@ -9170,7 +9170,7 @@
               <a:buNone/>
             </a:pPr>
             <a:r>
-              <a:rPr lang="en" sz="1800">
+              <a:rPr lang="en" sz="1800" dirty="0">
                 <a:solidFill>
                   <a:srgbClr val="666666"/>
                 </a:solidFill>
@@ -9182,7 +9182,7 @@
               <a:t>Tanya: </a:t>
             </a:r>
             <a:r>
-              <a:rPr lang="en" sz="1800" u="sng">
+              <a:rPr lang="en" sz="1800" u="sng" dirty="0">
                 <a:solidFill>
                   <a:srgbClr val="666666"/>
                 </a:solidFill>
@@ -9200,7 +9200,7 @@
               </a:rPr>
               <a:t>mistry.t@northeastern.edu</a:t>
             </a:r>
-            <a:endParaRPr sz="1800">
+            <a:endParaRPr sz="1800" dirty="0">
               <a:solidFill>
                 <a:srgbClr val="666666"/>
               </a:solidFill>
@@ -9226,7 +9226,7 @@
               <a:buNone/>
             </a:pPr>
             <a:r>
-              <a:rPr lang="en" sz="1800">
+              <a:rPr lang="en" sz="1800" dirty="0">
                 <a:solidFill>
                   <a:srgbClr val="666666"/>
                 </a:solidFill>
@@ -9238,7 +9238,7 @@
               <a:t>Rajvi: </a:t>
             </a:r>
             <a:r>
-              <a:rPr lang="en" sz="1800" u="sng">
+              <a:rPr lang="en" sz="1800" u="sng" dirty="0">
                 <a:solidFill>
                   <a:srgbClr val="666666"/>
                 </a:solidFill>
@@ -9250,7 +9250,7 @@
               <a:t>d</a:t>
             </a:r>
             <a:r>
-              <a:rPr lang="en" sz="1800" u="sng">
+              <a:rPr lang="en" sz="1800" u="sng" dirty="0">
                 <a:solidFill>
                   <a:srgbClr val="666666"/>
                 </a:solidFill>
@@ -9268,7 +9268,7 @@
               </a:rPr>
               <a:t>esai.r1@northeastern.edu</a:t>
             </a:r>
-            <a:endParaRPr sz="1800">
+            <a:endParaRPr sz="1800" dirty="0">
               <a:solidFill>
                 <a:srgbClr val="666666"/>
               </a:solidFill>
@@ -9289,7 +9289,7 @@
               <a:buNone/>
             </a:pPr>
             <a:r>
-              <a:rPr lang="en" sz="1800">
+              <a:rPr lang="en" sz="1800" dirty="0">
                 <a:solidFill>
                   <a:srgbClr val="666666"/>
                 </a:solidFill>
@@ -9301,7 +9301,7 @@
               <a:t>Vidheya: </a:t>
             </a:r>
             <a:r>
-              <a:rPr lang="en" sz="1800" u="sng">
+              <a:rPr lang="en" sz="1800" u="sng" dirty="0">
                 <a:solidFill>
                   <a:srgbClr val="666666"/>
                 </a:solidFill>
@@ -9319,7 +9319,7 @@
               </a:rPr>
               <a:t>bole.v@northeastern.edu</a:t>
             </a:r>
-            <a:endParaRPr sz="1900">
+            <a:endParaRPr sz="1900" dirty="0">
               <a:solidFill>
                 <a:srgbClr val="666666"/>
               </a:solidFill>
@@ -9339,7 +9339,7 @@
               </a:spcAft>
               <a:buNone/>
             </a:pPr>
-            <a:endParaRPr sz="1900">
+            <a:endParaRPr sz="1900" dirty="0">
               <a:solidFill>
                 <a:srgbClr val="666666"/>
               </a:solidFill>
@@ -9365,7 +9365,7 @@
               <a:buNone/>
             </a:pPr>
             <a:r>
-              <a:rPr lang="en" sz="1900">
+              <a:rPr lang="en" sz="1900" dirty="0">
                 <a:solidFill>
                   <a:srgbClr val="666666"/>
                 </a:solidFill>
@@ -9377,7 +9377,7 @@
               <a:t>Github: </a:t>
             </a:r>
             <a:r>
-              <a:rPr lang="en" sz="1900" u="sng">
+              <a:rPr lang="en" sz="1900" u="sng" dirty="0">
                 <a:solidFill>
                   <a:srgbClr val="666666"/>
                 </a:solidFill>
@@ -9395,7 +9395,7 @@
               </a:rPr>
               <a:t>https://github.com/tanyamistry/FOAI-Project</a:t>
             </a:r>
-            <a:endParaRPr sz="1900" u="sng">
+            <a:endParaRPr sz="1900" u="sng" dirty="0">
               <a:solidFill>
                 <a:srgbClr val="666666"/>
               </a:solidFill>
@@ -9415,7 +9415,7 @@
               </a:spcAft>
               <a:buNone/>
             </a:pPr>
-            <a:endParaRPr sz="1900">
+            <a:endParaRPr sz="1900" dirty="0">
               <a:latin typeface="Lexend"/>
               <a:ea typeface="Lexend"/>
               <a:cs typeface="Lexend"/>
